--- a/Final-Project/HPVVaccinePPT.pptx
+++ b/Final-Project/HPVVaccinePPT.pptx
@@ -215,7 +215,7 @@
           <a:p>
             <a:fld id="{BA9AC5CC-76B7-584B-99BE-44509ADEADA6}" type="datetimeFigureOut">
               <a:rPr lang="en-US" smtClean="0"/>
-              <a:t>05/12/2016</a:t>
+              <a:t>06/12/2016</a:t>
             </a:fld>
             <a:endParaRPr lang="en-US"/>
           </a:p>
@@ -12601,7 +12601,7 @@
           <a:p>
             <a:fld id="{F074260F-4A76-6F49-8179-0EAFD0F92D3F}" type="datetimeFigureOut">
               <a:rPr lang="en-US" smtClean="0"/>
-              <a:t>05/12/2016</a:t>
+              <a:t>06/12/2016</a:t>
             </a:fld>
             <a:endParaRPr lang="en-US"/>
           </a:p>
@@ -12771,7 +12771,7 @@
           <a:p>
             <a:fld id="{F074260F-4A76-6F49-8179-0EAFD0F92D3F}" type="datetimeFigureOut">
               <a:rPr lang="en-US" smtClean="0"/>
-              <a:t>05/12/2016</a:t>
+              <a:t>06/12/2016</a:t>
             </a:fld>
             <a:endParaRPr lang="en-US"/>
           </a:p>
@@ -12951,7 +12951,7 @@
           <a:p>
             <a:fld id="{F074260F-4A76-6F49-8179-0EAFD0F92D3F}" type="datetimeFigureOut">
               <a:rPr lang="en-US" smtClean="0"/>
-              <a:t>05/12/2016</a:t>
+              <a:t>06/12/2016</a:t>
             </a:fld>
             <a:endParaRPr lang="en-US"/>
           </a:p>
@@ -13157,7 +13157,7 @@
             <a:fld id="{9A349148-C0E6-2F43-BF42-A2094F658D43}" type="datetime1">
               <a:rPr lang="en-US"/>
               <a:pPr/>
-              <a:t>05/12/2016</a:t>
+              <a:t>06/12/2016</a:t>
             </a:fld>
             <a:endParaRPr lang="en-GB"/>
           </a:p>
@@ -13375,7 +13375,7 @@
             <a:fld id="{9A349148-C0E6-2F43-BF42-A2094F658D43}" type="datetime1">
               <a:rPr lang="en-US"/>
               <a:pPr/>
-              <a:t>05/12/2016</a:t>
+              <a:t>06/12/2016</a:t>
             </a:fld>
             <a:endParaRPr lang="en-GB"/>
           </a:p>
@@ -13557,7 +13557,7 @@
           <a:p>
             <a:fld id="{F074260F-4A76-6F49-8179-0EAFD0F92D3F}" type="datetimeFigureOut">
               <a:rPr lang="en-US" smtClean="0"/>
-              <a:t>05/12/2016</a:t>
+              <a:t>06/12/2016</a:t>
             </a:fld>
             <a:endParaRPr lang="en-US"/>
           </a:p>
@@ -13803,7 +13803,7 @@
           <a:p>
             <a:fld id="{F074260F-4A76-6F49-8179-0EAFD0F92D3F}" type="datetimeFigureOut">
               <a:rPr lang="en-US" smtClean="0"/>
-              <a:t>05/12/2016</a:t>
+              <a:t>06/12/2016</a:t>
             </a:fld>
             <a:endParaRPr lang="en-US"/>
           </a:p>
@@ -14091,7 +14091,7 @@
           <a:p>
             <a:fld id="{F074260F-4A76-6F49-8179-0EAFD0F92D3F}" type="datetimeFigureOut">
               <a:rPr lang="en-US" smtClean="0"/>
-              <a:t>05/12/2016</a:t>
+              <a:t>06/12/2016</a:t>
             </a:fld>
             <a:endParaRPr lang="en-US"/>
           </a:p>
@@ -14513,7 +14513,7 @@
           <a:p>
             <a:fld id="{F074260F-4A76-6F49-8179-0EAFD0F92D3F}" type="datetimeFigureOut">
               <a:rPr lang="en-US" smtClean="0"/>
-              <a:t>05/12/2016</a:t>
+              <a:t>06/12/2016</a:t>
             </a:fld>
             <a:endParaRPr lang="en-US"/>
           </a:p>
@@ -14631,7 +14631,7 @@
           <a:p>
             <a:fld id="{F074260F-4A76-6F49-8179-0EAFD0F92D3F}" type="datetimeFigureOut">
               <a:rPr lang="en-US" smtClean="0"/>
-              <a:t>05/12/2016</a:t>
+              <a:t>06/12/2016</a:t>
             </a:fld>
             <a:endParaRPr lang="en-US"/>
           </a:p>
@@ -14726,7 +14726,7 @@
           <a:p>
             <a:fld id="{F074260F-4A76-6F49-8179-0EAFD0F92D3F}" type="datetimeFigureOut">
               <a:rPr lang="en-US" smtClean="0"/>
-              <a:t>05/12/2016</a:t>
+              <a:t>06/12/2016</a:t>
             </a:fld>
             <a:endParaRPr lang="en-US"/>
           </a:p>
@@ -15003,7 +15003,7 @@
           <a:p>
             <a:fld id="{F074260F-4A76-6F49-8179-0EAFD0F92D3F}" type="datetimeFigureOut">
               <a:rPr lang="en-US" smtClean="0"/>
-              <a:t>05/12/2016</a:t>
+              <a:t>06/12/2016</a:t>
             </a:fld>
             <a:endParaRPr lang="en-US"/>
           </a:p>
@@ -15256,7 +15256,7 @@
           <a:p>
             <a:fld id="{F074260F-4A76-6F49-8179-0EAFD0F92D3F}" type="datetimeFigureOut">
               <a:rPr lang="en-US" smtClean="0"/>
-              <a:t>05/12/2016</a:t>
+              <a:t>06/12/2016</a:t>
             </a:fld>
             <a:endParaRPr lang="en-US"/>
           </a:p>
@@ -15469,7 +15469,7 @@
           <a:p>
             <a:fld id="{F074260F-4A76-6F49-8179-0EAFD0F92D3F}" type="datetimeFigureOut">
               <a:rPr lang="en-US" smtClean="0"/>
-              <a:t>05/12/2016</a:t>
+              <a:t>06/12/2016</a:t>
             </a:fld>
             <a:endParaRPr lang="en-US"/>
           </a:p>
@@ -15894,11 +15894,7 @@
           <a:p>
             <a:r>
               <a:rPr lang="en-US" dirty="0" smtClean="0"/>
-              <a:t>Final Project </a:t>
-            </a:r>
-            <a:r>
-              <a:rPr lang="en-US" dirty="0" smtClean="0"/>
-              <a:t>6 Dec 2016</a:t>
+              <a:t>Final Project 6 Dec 2016</a:t>
             </a:r>
           </a:p>
           <a:p>
@@ -24006,8 +24002,50 @@
               <a:rPr lang="en-GB" sz="1800" dirty="0" smtClean="0">
                 <a:latin typeface="Calibri" charset="0"/>
               </a:rPr>
-              <a:t>Thank you Sri, John, and Wei Wei for this year’s class</a:t>
-            </a:r>
+              <a:t>Thank you Sri, John, and Wei Wei for this year’s </a:t>
+            </a:r>
+            <a:r>
+              <a:rPr lang="en-GB" sz="1800" dirty="0" smtClean="0">
+                <a:latin typeface="Calibri" charset="0"/>
+              </a:rPr>
+              <a:t>class</a:t>
+            </a:r>
+          </a:p>
+          <a:p>
+            <a:pPr>
+              <a:lnSpc>
+                <a:spcPct val="90000"/>
+              </a:lnSpc>
+              <a:buClr>
+                <a:srgbClr val="7030A0"/>
+              </a:buClr>
+              <a:buFont typeface="Wingdings" charset="2"/>
+              <a:buChar char="Ø"/>
+            </a:pPr>
+            <a:endParaRPr lang="en-GB" sz="1800" dirty="0">
+              <a:latin typeface="Calibri" charset="0"/>
+            </a:endParaRPr>
+          </a:p>
+          <a:p>
+            <a:pPr>
+              <a:lnSpc>
+                <a:spcPct val="90000"/>
+              </a:lnSpc>
+              <a:buClr>
+                <a:srgbClr val="7030A0"/>
+              </a:buClr>
+              <a:buFont typeface="Wingdings" charset="2"/>
+              <a:buChar char="Ø"/>
+            </a:pPr>
+            <a:r>
+              <a:rPr lang="en-GB" sz="1800" dirty="0" smtClean="0">
+                <a:latin typeface="Calibri" charset="0"/>
+              </a:rPr>
+              <a:t>Thank you to the other people in the class – learned a lot from you!</a:t>
+            </a:r>
+            <a:endParaRPr lang="en-GB" sz="1800" dirty="0" smtClean="0">
+              <a:latin typeface="Calibri" charset="0"/>
+            </a:endParaRPr>
           </a:p>
           <a:p>
             <a:pPr>
@@ -24114,7 +24152,7 @@
                 <a:latin typeface="+mj-lt"/>
                 <a:ea typeface="+mj-ea"/>
               </a:rPr>
-              <a:t>Acknowledgements</a:t>
+              <a:t>Thank you!</a:t>
             </a:r>
             <a:endParaRPr lang="en-GB" sz="3000" b="1" dirty="0">
               <a:latin typeface="+mj-lt"/>
@@ -25286,25 +25324,7 @@
               <a:rPr lang="en-GB" sz="2400" dirty="0" smtClean="0">
                 <a:latin typeface="Calibri" charset="0"/>
               </a:rPr>
-              <a:t>75</a:t>
-            </a:r>
-            <a:r>
-              <a:rPr lang="en-GB" sz="2400" dirty="0" smtClean="0">
-                <a:latin typeface="Calibri" charset="0"/>
-              </a:rPr>
-              <a:t>% and the </a:t>
-            </a:r>
-            <a:r>
-              <a:rPr lang="en-GB" sz="2400" dirty="0" smtClean="0">
-                <a:latin typeface="Calibri" charset="0"/>
-              </a:rPr>
-              <a:t>UK &gt;90</a:t>
-            </a:r>
-            <a:r>
-              <a:rPr lang="en-GB" sz="2400" dirty="0" smtClean="0">
-                <a:latin typeface="Calibri" charset="0"/>
-              </a:rPr>
-              <a:t>%. </a:t>
+              <a:t>75% and the UK &gt;90%. </a:t>
             </a:r>
           </a:p>
           <a:p>
@@ -25337,77 +25357,38 @@
               <a:rPr lang="en-GB" sz="2400" dirty="0" smtClean="0">
                 <a:latin typeface="Calibri" charset="0"/>
               </a:rPr>
-              <a:t>Current progress in the USA for HPV (all doses): girls (</a:t>
+              <a:t>Current progress in the USA for HPV (all doses): girls (41.9%), boys (28.1%)</a:t>
+            </a:r>
+            <a:r>
+              <a:rPr lang="en-GB" sz="2400" dirty="0">
+                <a:latin typeface="Calibri" charset="0"/>
+              </a:rPr>
+              <a:t> </a:t>
+            </a:r>
+            <a:r>
+              <a:rPr lang="en-GB" sz="2400" dirty="0" err="1" smtClean="0">
+                <a:latin typeface="Calibri" charset="0"/>
+              </a:rPr>
+              <a:t>vs</a:t>
             </a:r>
             <a:r>
               <a:rPr lang="en-GB" sz="2400" dirty="0" smtClean="0">
                 <a:latin typeface="Calibri" charset="0"/>
               </a:rPr>
-              <a:t>41.9%</a:t>
+              <a:t> </a:t>
+            </a:r>
+            <a:r>
+              <a:rPr lang="en-GB" sz="2400" dirty="0" err="1" smtClean="0">
+                <a:latin typeface="Calibri" charset="0"/>
+              </a:rPr>
+              <a:t>Tdap</a:t>
             </a:r>
             <a:r>
               <a:rPr lang="en-GB" sz="2400" dirty="0" smtClean="0">
                 <a:latin typeface="Calibri" charset="0"/>
               </a:rPr>
-              <a:t>), boys (</a:t>
-            </a:r>
-            <a:r>
-              <a:rPr lang="en-GB" sz="2400" dirty="0" smtClean="0">
-                <a:latin typeface="Calibri" charset="0"/>
-              </a:rPr>
-              <a:t>28.1%)</a:t>
-            </a:r>
-            <a:r>
-              <a:rPr lang="en-GB" sz="2400" dirty="0">
-                <a:latin typeface="Calibri" charset="0"/>
-              </a:rPr>
-              <a:t> </a:t>
-            </a:r>
-            <a:r>
-              <a:rPr lang="en-GB" sz="2400" dirty="0" err="1" smtClean="0">
-                <a:latin typeface="Calibri" charset="0"/>
-              </a:rPr>
-              <a:t>vs</a:t>
-            </a:r>
-            <a:r>
-              <a:rPr lang="en-GB" sz="2400" dirty="0" smtClean="0">
-                <a:latin typeface="Calibri" charset="0"/>
-              </a:rPr>
-              <a:t> </a:t>
-            </a:r>
-            <a:r>
-              <a:rPr lang="en-GB" sz="2400" dirty="0" err="1" smtClean="0">
-                <a:latin typeface="Calibri" charset="0"/>
-              </a:rPr>
-              <a:t>Tdap</a:t>
-            </a:r>
-            <a:r>
-              <a:rPr lang="en-GB" sz="2400" dirty="0" smtClean="0">
-                <a:latin typeface="Calibri" charset="0"/>
-              </a:rPr>
-              <a:t> &gt;88%. </a:t>
-            </a:r>
-            <a:r>
-              <a:rPr lang="en-GB" sz="2400" dirty="0" smtClean="0">
-                <a:latin typeface="Calibri" charset="0"/>
-              </a:rPr>
-              <a:t>We </a:t>
-            </a:r>
-            <a:r>
-              <a:rPr lang="en-GB" sz="2400" dirty="0" smtClean="0">
-                <a:latin typeface="Calibri" charset="0"/>
-              </a:rPr>
-              <a:t>have a vaccine that prevents </a:t>
-            </a:r>
-            <a:r>
-              <a:rPr lang="en-GB" sz="2400" dirty="0" smtClean="0">
-                <a:latin typeface="Calibri" charset="0"/>
-              </a:rPr>
-              <a:t>cancer yet there is resistance. Why?</a:t>
-            </a:r>
-            <a:endParaRPr lang="en-GB" sz="2400" dirty="0" smtClean="0">
-              <a:latin typeface="Calibri" charset="0"/>
-            </a:endParaRPr>
+              <a:t> &gt;88%. We have a vaccine that prevents cancer yet there is resistance. Why?</a:t>
+            </a:r>
           </a:p>
           <a:p>
             <a:pPr marL="0" indent="0">
@@ -25438,13 +25419,7 @@
               <a:rPr lang="en-GB" sz="2400" dirty="0" smtClean="0">
                 <a:latin typeface="Calibri" charset="0"/>
               </a:rPr>
-              <a:t>Problem to solve: Why are HPV vaccine rates in the USA so low? What are the barriers</a:t>
-            </a:r>
-            <a:r>
-              <a:rPr lang="en-GB" sz="2400" dirty="0" smtClean="0">
-                <a:latin typeface="Calibri" charset="0"/>
-              </a:rPr>
-              <a:t>? How can local-level data help inform this?</a:t>
+              <a:t>Problem to solve: Why are HPV vaccine rates in the USA so low? What are the barriers? How can local-level data help inform this?</a:t>
             </a:r>
             <a:endParaRPr lang="en-GB" sz="2000" dirty="0" smtClean="0">
               <a:latin typeface="Calibri" charset="0"/>
@@ -26733,13 +26708,7 @@
               <a:rPr lang="en-GB" sz="1800" dirty="0" smtClean="0">
                 <a:latin typeface="Calibri" charset="0"/>
               </a:rPr>
-              <a:t>Primarily from </a:t>
-            </a:r>
-            <a:r>
-              <a:rPr lang="en-GB" sz="1800" dirty="0" smtClean="0">
-                <a:latin typeface="Calibri" charset="0"/>
-              </a:rPr>
-              <a:t>NYC Open Data.</a:t>
+              <a:t>Primarily from NYC Open Data.</a:t>
             </a:r>
           </a:p>
           <a:p>
@@ -26772,13 +26741,7 @@
               <a:rPr lang="en-GB" sz="1800" dirty="0" smtClean="0">
                 <a:latin typeface="Calibri" charset="0"/>
               </a:rPr>
-              <a:t>Secondarily from Board of Elections. E</a:t>
-            </a:r>
-            <a:r>
-              <a:rPr lang="en-GB" sz="1800" dirty="0" smtClean="0">
-                <a:latin typeface="Calibri" charset="0"/>
-              </a:rPr>
-              <a:t>lection data is not aggregated by community district, but by electoral district. I mapped the </a:t>
+              <a:t>Secondarily from Board of Elections. Election data is not aggregated by community district, but by electoral district. I mapped the </a:t>
             </a:r>
             <a:r>
               <a:rPr lang="en-GB" sz="1800" dirty="0" err="1" smtClean="0">
@@ -27875,13 +27838,7 @@
               <a:rPr lang="en-GB" sz="2800" dirty="0" smtClean="0">
                 <a:latin typeface="Calibri" charset="0"/>
               </a:rPr>
-              <a:t>I had seen some state-level data that suggest the same, but a lot can vary from state-to-state making it an apples-to-oranges comparison. </a:t>
-            </a:r>
-            <a:r>
-              <a:rPr lang="en-GB" sz="2800" dirty="0" smtClean="0">
-                <a:latin typeface="Calibri" charset="0"/>
-              </a:rPr>
-              <a:t>The purpose of this study was to examine HPV vaccine rate causality on a micro level (NYC may have more consistency in health-care policy across all districts, for example, emphasizing the importance of certain features)</a:t>
+              <a:t>I had seen some state-level data that suggest the same, but a lot can vary from state-to-state making it an apples-to-oranges comparison. The purpose of this study was to examine HPV vaccine rate causality on a micro level (NYC may have more consistency in health-care policy across all districts, for example, emphasizing the importance of certain features)</a:t>
             </a:r>
             <a:endParaRPr lang="en-GB" sz="2000" dirty="0">
               <a:latin typeface="Calibri" charset="0"/>
